--- a/Pitchdeck.pptx
+++ b/Pitchdeck.pptx
@@ -5,10 +5,10 @@
     <p:sldMasterId id="2147483660" r:id="rId4"/>
   </p:sldMasterIdLst>
   <p:notesMasterIdLst>
-    <p:notesMasterId r:id="rId20"/>
+    <p:notesMasterId r:id="rId21"/>
   </p:notesMasterIdLst>
   <p:handoutMasterIdLst>
-    <p:handoutMasterId r:id="rId21"/>
+    <p:handoutMasterId r:id="rId22"/>
   </p:handoutMasterIdLst>
   <p:sldIdLst>
     <p:sldId id="278" r:id="rId5"/>
@@ -25,7 +25,8 @@
     <p:sldId id="429" r:id="rId16"/>
     <p:sldId id="406" r:id="rId17"/>
     <p:sldId id="431" r:id="rId18"/>
-    <p:sldId id="329" r:id="rId19"/>
+    <p:sldId id="432" r:id="rId19"/>
+    <p:sldId id="329" r:id="rId20"/>
   </p:sldIdLst>
   <p:sldSz cx="9144000" cy="6858000" type="screen4x3"/>
   <p:notesSz cx="7010400" cy="9296400"/>
@@ -1861,7 +1862,7 @@
           <a:p>
             <a:fld id="{CF7649E0-50B8-4787-8E4F-3B00C06EC88D}" type="datetimeFigureOut">
               <a:rPr lang="en-US" smtClean="0"/>
-              <a:t>2/21/24</a:t>
+              <a:t>2/26/24</a:t>
             </a:fld>
             <a:endParaRPr lang="en-US"/>
           </a:p>
@@ -2039,7 +2040,7 @@
           <a:p>
             <a:fld id="{B98CB59C-142C-4EEC-9AC6-D54D765BF840}" type="datetimeFigureOut">
               <a:rPr lang="en-US" smtClean="0"/>
-              <a:t>2/21/24</a:t>
+              <a:t>2/26/24</a:t>
             </a:fld>
             <a:endParaRPr lang="en-US"/>
           </a:p>
@@ -9899,7 +9900,7 @@
                 <a:rPr lang="en-US" sz="1100" dirty="0">
                   <a:latin typeface="+mj-lt"/>
                 </a:rPr>
-                <a:t> $ High Yield Corporate Bond ETF (HYG), the iShares Russell 2000 ETF (IWM) and the Financial Select Sector SPDR Fund (XLF)</a:t>
+                <a:t> $ High Yield Corporate Bond ETF (HYG) and the Financial Select Sector SPDR Fund (XLF)</a:t>
               </a:r>
             </a:p>
             <a:p>
@@ -10078,7 +10079,7 @@
                 <a:rPr lang="en-US" sz="1100" dirty="0">
                   <a:latin typeface="+mj-lt"/>
                 </a:rPr>
-                <a:t>With the target exposure to HYG, IWM, and XLF we build an option collar strategy by selling puts and buying calls on the hedging ETFs</a:t>
+                <a:t>With the target exposure to HYG and XLF we build an option collar strategy by selling puts and buying calls on the hedging ETFs</a:t>
               </a:r>
             </a:p>
             <a:p>
@@ -10523,6 +10524,957 @@
   <p:cSld>
     <p:spTree>
       <p:nvGrpSpPr>
+        <p:cNvPr id="1" name="">
+          <a:extLst>
+            <a:ext uri="{FF2B5EF4-FFF2-40B4-BE49-F238E27FC236}">
+              <a16:creationId xmlns:a16="http://schemas.microsoft.com/office/drawing/2014/main" id="{9EFE32F5-7931-5265-D5B2-43DF0A42D6CE}"/>
+            </a:ext>
+          </a:extLst>
+        </p:cNvPr>
+        <p:cNvGrpSpPr/>
+        <p:nvPr/>
+      </p:nvGrpSpPr>
+      <p:grpSpPr>
+        <a:xfrm>
+          <a:off x="0" y="0"/>
+          <a:ext cx="0" cy="0"/>
+          <a:chOff x="0" y="0"/>
+          <a:chExt cx="0" cy="0"/>
+        </a:xfrm>
+      </p:grpSpPr>
+      <p:sp>
+        <p:nvSpPr>
+          <p:cNvPr id="2" name="Title 1">
+            <a:extLst>
+              <a:ext uri="{FF2B5EF4-FFF2-40B4-BE49-F238E27FC236}">
+                <a16:creationId xmlns:a16="http://schemas.microsoft.com/office/drawing/2014/main" id="{BD85AB87-4F6B-01E3-CD68-102377741E4B}"/>
+              </a:ext>
+            </a:extLst>
+          </p:cNvPr>
+          <p:cNvSpPr>
+            <a:spLocks noGrp="1"/>
+          </p:cNvSpPr>
+          <p:nvPr>
+            <p:ph type="title"/>
+          </p:nvPr>
+        </p:nvSpPr>
+        <p:spPr/>
+        <p:txBody>
+          <a:bodyPr/>
+          <a:lstStyle/>
+          <a:p>
+            <a:r>
+              <a:rPr lang="en-US" dirty="0" err="1"/>
+              <a:t>Backtest</a:t>
+            </a:r>
+            <a:r>
+              <a:rPr lang="en-US" dirty="0"/>
+              <a:t> Construction</a:t>
+            </a:r>
+          </a:p>
+        </p:txBody>
+      </p:sp>
+      <p:sp>
+        <p:nvSpPr>
+          <p:cNvPr id="4" name="Text Placeholder 3">
+            <a:extLst>
+              <a:ext uri="{FF2B5EF4-FFF2-40B4-BE49-F238E27FC236}">
+                <a16:creationId xmlns:a16="http://schemas.microsoft.com/office/drawing/2014/main" id="{C461AE2B-1CF5-1E58-A600-91674796A6CE}"/>
+              </a:ext>
+            </a:extLst>
+          </p:cNvPr>
+          <p:cNvSpPr>
+            <a:spLocks noGrp="1"/>
+          </p:cNvSpPr>
+          <p:nvPr>
+            <p:ph type="body" sz="quarter" idx="13"/>
+          </p:nvPr>
+        </p:nvSpPr>
+        <p:spPr>
+          <a:xfrm>
+            <a:off x="457200" y="5998136"/>
+            <a:ext cx="8138160" cy="506592"/>
+          </a:xfrm>
+        </p:spPr>
+        <p:txBody>
+          <a:bodyPr>
+            <a:noAutofit/>
+          </a:bodyPr>
+          <a:lstStyle/>
+          <a:p>
+            <a:r>
+              <a:rPr lang="en-US" dirty="0"/>
+              <a:t>Source: Bloomberg, </a:t>
+            </a:r>
+            <a:r>
+              <a:rPr lang="en-US" dirty="0" err="1"/>
+              <a:t>Cliffwater</a:t>
+            </a:r>
+            <a:r>
+              <a:rPr lang="en-US" dirty="0"/>
+              <a:t> via </a:t>
+            </a:r>
+            <a:r>
+              <a:rPr lang="en-US" dirty="0" err="1"/>
+              <a:t>BDCS.com</a:t>
+            </a:r>
+            <a:endParaRPr lang="en-US" dirty="0"/>
+          </a:p>
+        </p:txBody>
+      </p:sp>
+      <p:sp>
+        <p:nvSpPr>
+          <p:cNvPr id="5" name="Text Placeholder 4">
+            <a:extLst>
+              <a:ext uri="{FF2B5EF4-FFF2-40B4-BE49-F238E27FC236}">
+                <a16:creationId xmlns:a16="http://schemas.microsoft.com/office/drawing/2014/main" id="{ED4A9343-4DCE-CB72-38D7-98E7BCFD6C22}"/>
+              </a:ext>
+            </a:extLst>
+          </p:cNvPr>
+          <p:cNvSpPr>
+            <a:spLocks noGrp="1"/>
+          </p:cNvSpPr>
+          <p:nvPr>
+            <p:ph type="body" idx="14"/>
+          </p:nvPr>
+        </p:nvSpPr>
+        <p:spPr/>
+        <p:txBody>
+          <a:bodyPr/>
+          <a:lstStyle/>
+          <a:p>
+            <a:r>
+              <a:rPr lang="en-US" dirty="0"/>
+              <a:t>Below is the methodology and assumptions used in </a:t>
+            </a:r>
+            <a:r>
+              <a:rPr lang="en-US" dirty="0" err="1"/>
+              <a:t>backtesting</a:t>
+            </a:r>
+            <a:r>
+              <a:rPr lang="en-US" dirty="0"/>
+              <a:t> our strategy</a:t>
+            </a:r>
+          </a:p>
+        </p:txBody>
+      </p:sp>
+      <p:sp>
+        <p:nvSpPr>
+          <p:cNvPr id="3" name="Slide Number Placeholder 2">
+            <a:extLst>
+              <a:ext uri="{FF2B5EF4-FFF2-40B4-BE49-F238E27FC236}">
+                <a16:creationId xmlns:a16="http://schemas.microsoft.com/office/drawing/2014/main" id="{9459A0FE-DE10-AE17-30F5-5F649DC49AEB}"/>
+              </a:ext>
+            </a:extLst>
+          </p:cNvPr>
+          <p:cNvSpPr>
+            <a:spLocks noGrp="1"/>
+          </p:cNvSpPr>
+          <p:nvPr>
+            <p:ph type="sldNum" sz="quarter" idx="12"/>
+          </p:nvPr>
+        </p:nvSpPr>
+        <p:spPr/>
+        <p:txBody>
+          <a:bodyPr/>
+          <a:lstStyle/>
+          <a:p>
+            <a:fld id="{9127CB15-A8DD-42C8-BF1E-59D42D96C6D3}" type="slidenum">
+              <a:rPr lang="en-US" smtClean="0"/>
+              <a:pPr/>
+              <a:t>15</a:t>
+            </a:fld>
+            <a:endParaRPr lang="en-US"/>
+          </a:p>
+        </p:txBody>
+      </p:sp>
+      <p:sp>
+        <p:nvSpPr>
+          <p:cNvPr id="7" name="Rectangle 6">
+            <a:extLst>
+              <a:ext uri="{FF2B5EF4-FFF2-40B4-BE49-F238E27FC236}">
+                <a16:creationId xmlns:a16="http://schemas.microsoft.com/office/drawing/2014/main" id="{BA073D4A-A4F2-34D3-1EAB-8E07C75E5AD8}"/>
+              </a:ext>
+            </a:extLst>
+          </p:cNvPr>
+          <p:cNvSpPr/>
+          <p:nvPr/>
+        </p:nvSpPr>
+        <p:spPr>
+          <a:xfrm>
+            <a:off x="532500" y="1433197"/>
+            <a:ext cx="1389888" cy="859536"/>
+          </a:xfrm>
+          <a:prstGeom prst="rect">
+            <a:avLst/>
+          </a:prstGeom>
+          <a:solidFill>
+            <a:schemeClr val="accent4"/>
+          </a:solidFill>
+          <a:ln w="12700" cap="flat" cmpd="sng" algn="ctr">
+            <a:noFill/>
+            <a:prstDash val="solid"/>
+            <a:miter lim="800000"/>
+          </a:ln>
+          <a:effectLst/>
+        </p:spPr>
+        <p:txBody>
+          <a:bodyPr lIns="0" tIns="0" rIns="0" bIns="0" rtlCol="0" anchor="ctr"/>
+          <a:lstStyle/>
+          <a:p>
+            <a:pPr algn="ctr"/>
+            <a:r>
+              <a:rPr lang="en-US" sz="1000" b="1" kern="0" dirty="0">
+                <a:solidFill>
+                  <a:srgbClr val="FFFFFF"/>
+                </a:solidFill>
+                <a:latin typeface="+mj-lt"/>
+              </a:rPr>
+              <a:t>BUILD TAREGT EXPOSURES FOR OPTIONS</a:t>
+            </a:r>
+          </a:p>
+        </p:txBody>
+      </p:sp>
+      <p:sp>
+        <p:nvSpPr>
+          <p:cNvPr id="8" name="Rectangle 7">
+            <a:extLst>
+              <a:ext uri="{FF2B5EF4-FFF2-40B4-BE49-F238E27FC236}">
+                <a16:creationId xmlns:a16="http://schemas.microsoft.com/office/drawing/2014/main" id="{F89C32C7-F4C4-4612-2792-609E1944663C}"/>
+              </a:ext>
+            </a:extLst>
+          </p:cNvPr>
+          <p:cNvSpPr/>
+          <p:nvPr/>
+        </p:nvSpPr>
+        <p:spPr>
+          <a:xfrm>
+            <a:off x="2002715" y="1433197"/>
+            <a:ext cx="6583680" cy="859536"/>
+          </a:xfrm>
+          <a:prstGeom prst="rect">
+            <a:avLst/>
+          </a:prstGeom>
+          <a:solidFill>
+            <a:srgbClr val="F2F2F2"/>
+          </a:solidFill>
+          <a:ln w="12700" cap="flat" cmpd="sng" algn="ctr">
+            <a:noFill/>
+            <a:prstDash val="solid"/>
+            <a:miter lim="800000"/>
+          </a:ln>
+          <a:effectLst/>
+        </p:spPr>
+        <p:txBody>
+          <a:bodyPr lIns="73152" tIns="91440" rIns="146304" bIns="91440" rtlCol="0" anchor="ctr"/>
+          <a:lstStyle/>
+          <a:p>
+            <a:pPr marL="285750" marR="0" lvl="1" indent="-171450" algn="l" defTabSz="685800" rtl="0" eaLnBrk="1" fontAlgn="auto" latinLnBrk="0" hangingPunct="1">
+              <a:lnSpc>
+                <a:spcPct val="100000"/>
+              </a:lnSpc>
+              <a:spcBef>
+                <a:spcPts val="300"/>
+              </a:spcBef>
+              <a:spcAft>
+                <a:spcPts val="300"/>
+              </a:spcAft>
+              <a:buClr>
+                <a:srgbClr val="204F8C"/>
+              </a:buClr>
+              <a:buSzPct val="175000"/>
+              <a:buFont typeface="Calibri Light" panose="020F0302020204030204" pitchFamily="34" charset="0"/>
+              <a:buChar char="›"/>
+              <a:tabLst/>
+              <a:defRPr/>
+            </a:pPr>
+            <a:r>
+              <a:rPr kumimoji="0" lang="en-US" sz="1050" b="0" i="0" u="none" strike="noStrike" kern="1200" cap="none" spc="0" normalizeH="0" baseline="0" noProof="0" dirty="0">
+                <a:ln>
+                  <a:noFill/>
+                </a:ln>
+                <a:effectLst/>
+                <a:uLnTx/>
+                <a:uFillTx/>
+                <a:latin typeface="+mj-lt"/>
+                <a:ea typeface="+mn-ea"/>
+                <a:cs typeface="+mn-cs"/>
+              </a:rPr>
+              <a:t>At every rebalance date use as of date data to calculate our optimal hedging portfolio weights</a:t>
+            </a:r>
+          </a:p>
+          <a:p>
+            <a:pPr marL="285750" marR="0" lvl="1" indent="-171450" algn="l" defTabSz="685800" rtl="0" eaLnBrk="1" fontAlgn="auto" latinLnBrk="0" hangingPunct="1">
+              <a:lnSpc>
+                <a:spcPct val="100000"/>
+              </a:lnSpc>
+              <a:spcBef>
+                <a:spcPts val="300"/>
+              </a:spcBef>
+              <a:spcAft>
+                <a:spcPts val="300"/>
+              </a:spcAft>
+              <a:buClr>
+                <a:srgbClr val="204F8C"/>
+              </a:buClr>
+              <a:buSzPct val="175000"/>
+              <a:buFont typeface="Calibri Light" panose="020F0302020204030204" pitchFamily="34" charset="0"/>
+              <a:buChar char="›"/>
+              <a:tabLst/>
+              <a:defRPr/>
+            </a:pPr>
+            <a:r>
+              <a:rPr kumimoji="0" lang="en-US" sz="1050" b="0" i="0" u="none" strike="noStrike" kern="1200" cap="none" spc="0" normalizeH="0" baseline="0" noProof="0" dirty="0">
+                <a:ln>
+                  <a:noFill/>
+                </a:ln>
+                <a:effectLst/>
+                <a:uLnTx/>
+                <a:uFillTx/>
+                <a:latin typeface="+mj-lt"/>
+                <a:ea typeface="+mn-ea"/>
+                <a:cs typeface="+mn-cs"/>
+              </a:rPr>
+              <a:t>Use statistical models to forecast volatility and returns to generate weights in HYG and XLF that are expected to mimic the performance of BIZD</a:t>
+            </a:r>
+          </a:p>
+        </p:txBody>
+      </p:sp>
+      <p:sp>
+        <p:nvSpPr>
+          <p:cNvPr id="11" name="Rectangle 10">
+            <a:extLst>
+              <a:ext uri="{FF2B5EF4-FFF2-40B4-BE49-F238E27FC236}">
+                <a16:creationId xmlns:a16="http://schemas.microsoft.com/office/drawing/2014/main" id="{0CB371B3-DDBD-BA5F-4FE0-BF7B5E77F648}"/>
+              </a:ext>
+            </a:extLst>
+          </p:cNvPr>
+          <p:cNvSpPr/>
+          <p:nvPr/>
+        </p:nvSpPr>
+        <p:spPr>
+          <a:xfrm>
+            <a:off x="532500" y="2359548"/>
+            <a:ext cx="1389888" cy="859536"/>
+          </a:xfrm>
+          <a:prstGeom prst="rect">
+            <a:avLst/>
+          </a:prstGeom>
+          <a:solidFill>
+            <a:schemeClr val="accent4"/>
+          </a:solidFill>
+          <a:ln w="12700" cap="flat" cmpd="sng" algn="ctr">
+            <a:noFill/>
+            <a:prstDash val="solid"/>
+            <a:miter lim="800000"/>
+          </a:ln>
+          <a:effectLst/>
+        </p:spPr>
+        <p:txBody>
+          <a:bodyPr lIns="0" tIns="0" rIns="0" bIns="0" rtlCol="0" anchor="ctr"/>
+          <a:lstStyle/>
+          <a:p>
+            <a:pPr algn="ctr"/>
+            <a:r>
+              <a:rPr lang="en-US" sz="1000" b="1" kern="0" dirty="0">
+                <a:solidFill>
+                  <a:srgbClr val="FFFFFF"/>
+                </a:solidFill>
+                <a:latin typeface="+mj-lt"/>
+              </a:rPr>
+              <a:t>SET TRADE </a:t>
+            </a:r>
+            <a:br>
+              <a:rPr lang="en-US" sz="1000" b="1" kern="0" dirty="0">
+                <a:solidFill>
+                  <a:srgbClr val="FFFFFF"/>
+                </a:solidFill>
+                <a:latin typeface="+mj-lt"/>
+              </a:rPr>
+            </a:br>
+            <a:r>
+              <a:rPr lang="en-US" sz="1000" b="1" kern="0" dirty="0">
+                <a:solidFill>
+                  <a:srgbClr val="FFFFFF"/>
+                </a:solidFill>
+                <a:latin typeface="+mj-lt"/>
+              </a:rPr>
+              <a:t>TAREGTS</a:t>
+            </a:r>
+          </a:p>
+        </p:txBody>
+      </p:sp>
+      <p:sp>
+        <p:nvSpPr>
+          <p:cNvPr id="12" name="Rectangle 11">
+            <a:extLst>
+              <a:ext uri="{FF2B5EF4-FFF2-40B4-BE49-F238E27FC236}">
+                <a16:creationId xmlns:a16="http://schemas.microsoft.com/office/drawing/2014/main" id="{732C5EB4-364C-EE83-B8DB-EF658857DFFF}"/>
+              </a:ext>
+            </a:extLst>
+          </p:cNvPr>
+          <p:cNvSpPr/>
+          <p:nvPr/>
+        </p:nvSpPr>
+        <p:spPr>
+          <a:xfrm>
+            <a:off x="2002715" y="2359548"/>
+            <a:ext cx="6583680" cy="859536"/>
+          </a:xfrm>
+          <a:prstGeom prst="rect">
+            <a:avLst/>
+          </a:prstGeom>
+          <a:solidFill>
+            <a:srgbClr val="F2F2F2"/>
+          </a:solidFill>
+          <a:ln w="12700" cap="flat" cmpd="sng" algn="ctr">
+            <a:noFill/>
+            <a:prstDash val="solid"/>
+            <a:miter lim="800000"/>
+          </a:ln>
+          <a:effectLst/>
+        </p:spPr>
+        <p:txBody>
+          <a:bodyPr lIns="73152" tIns="91440" rIns="146304" bIns="91440" rtlCol="0" anchor="ctr"/>
+          <a:lstStyle/>
+          <a:p>
+            <a:pPr marL="285750" marR="0" lvl="1" indent="-171450" algn="l" defTabSz="685800" rtl="0" eaLnBrk="1" fontAlgn="auto" latinLnBrk="0" hangingPunct="1">
+              <a:lnSpc>
+                <a:spcPct val="100000"/>
+              </a:lnSpc>
+              <a:spcBef>
+                <a:spcPts val="300"/>
+              </a:spcBef>
+              <a:spcAft>
+                <a:spcPts val="300"/>
+              </a:spcAft>
+              <a:buClr>
+                <a:srgbClr val="204F8C"/>
+              </a:buClr>
+              <a:buSzPct val="175000"/>
+              <a:buFont typeface="Calibri Light" panose="020F0302020204030204" pitchFamily="34" charset="0"/>
+              <a:buChar char="›"/>
+              <a:tabLst/>
+              <a:defRPr/>
+            </a:pPr>
+            <a:r>
+              <a:rPr kumimoji="0" lang="en-US" sz="1050" b="0" i="0" u="none" strike="noStrike" kern="1200" cap="none" spc="0" normalizeH="0" baseline="0" noProof="0" dirty="0">
+                <a:ln>
+                  <a:noFill/>
+                </a:ln>
+                <a:effectLst/>
+                <a:uLnTx/>
+                <a:uFillTx/>
+                <a:latin typeface="+mj-lt"/>
+                <a:ea typeface="+mn-ea"/>
+                <a:cs typeface="+mn-cs"/>
+              </a:rPr>
+              <a:t>Find calls and puts that straddle </a:t>
+            </a:r>
+          </a:p>
+          <a:p>
+            <a:pPr marL="285750" marR="0" lvl="1" indent="-171450" algn="l" defTabSz="685800" rtl="0" eaLnBrk="1" fontAlgn="auto" latinLnBrk="0" hangingPunct="1">
+              <a:lnSpc>
+                <a:spcPct val="100000"/>
+              </a:lnSpc>
+              <a:spcBef>
+                <a:spcPts val="300"/>
+              </a:spcBef>
+              <a:spcAft>
+                <a:spcPts val="300"/>
+              </a:spcAft>
+              <a:buClr>
+                <a:srgbClr val="204F8C"/>
+              </a:buClr>
+              <a:buSzPct val="175000"/>
+              <a:buFont typeface="Calibri Light" panose="020F0302020204030204" pitchFamily="34" charset="0"/>
+              <a:buChar char="›"/>
+              <a:tabLst/>
+              <a:defRPr/>
+            </a:pPr>
+            <a:r>
+              <a:rPr kumimoji="0" lang="en-US" sz="1050" b="0" i="0" u="none" strike="noStrike" kern="1200" cap="none" spc="0" normalizeH="0" baseline="0" noProof="0" dirty="0">
+                <a:ln>
+                  <a:noFill/>
+                </a:ln>
+                <a:effectLst/>
+                <a:uLnTx/>
+                <a:uFillTx/>
+                <a:latin typeface="+mj-lt"/>
+                <a:ea typeface="+mn-ea"/>
+                <a:cs typeface="+mn-cs"/>
+              </a:rPr>
+              <a:t>Since 2014 the </a:t>
+            </a:r>
+            <a:r>
+              <a:rPr kumimoji="0" lang="en-US" sz="1050" b="0" i="0" u="none" strike="noStrike" kern="1200" cap="none" spc="0" normalizeH="0" baseline="0" noProof="0" dirty="0" err="1">
+                <a:ln>
+                  <a:noFill/>
+                </a:ln>
+                <a:effectLst/>
+                <a:uLnTx/>
+                <a:uFillTx/>
+                <a:latin typeface="+mj-lt"/>
+                <a:ea typeface="+mn-ea"/>
+                <a:cs typeface="+mn-cs"/>
+              </a:rPr>
+              <a:t>Cliffwater</a:t>
+            </a:r>
+            <a:r>
+              <a:rPr kumimoji="0" lang="en-US" sz="1050" b="0" i="0" u="none" strike="noStrike" kern="1200" cap="none" spc="0" normalizeH="0" baseline="0" noProof="0" dirty="0">
+                <a:ln>
+                  <a:noFill/>
+                </a:ln>
+                <a:effectLst/>
+                <a:uLnTx/>
+                <a:uFillTx/>
+                <a:latin typeface="+mj-lt"/>
+                <a:ea typeface="+mn-ea"/>
+                <a:cs typeface="+mn-cs"/>
+              </a:rPr>
+              <a:t> BDC Index has generated a total return of +100% vs. +54% for the Credit Suisse Leveraged Loan Index</a:t>
+            </a:r>
+          </a:p>
+        </p:txBody>
+      </p:sp>
+      <p:sp>
+        <p:nvSpPr>
+          <p:cNvPr id="13" name="Rectangle 12">
+            <a:extLst>
+              <a:ext uri="{FF2B5EF4-FFF2-40B4-BE49-F238E27FC236}">
+                <a16:creationId xmlns:a16="http://schemas.microsoft.com/office/drawing/2014/main" id="{40128CE6-8810-AF3C-F3C4-82F8D6E6305C}"/>
+              </a:ext>
+            </a:extLst>
+          </p:cNvPr>
+          <p:cNvSpPr/>
+          <p:nvPr/>
+        </p:nvSpPr>
+        <p:spPr>
+          <a:xfrm>
+            <a:off x="532500" y="3285899"/>
+            <a:ext cx="1389888" cy="859536"/>
+          </a:xfrm>
+          <a:prstGeom prst="rect">
+            <a:avLst/>
+          </a:prstGeom>
+          <a:solidFill>
+            <a:schemeClr val="accent4"/>
+          </a:solidFill>
+          <a:ln w="12700" cap="flat" cmpd="sng" algn="ctr">
+            <a:noFill/>
+            <a:prstDash val="solid"/>
+            <a:miter lim="800000"/>
+          </a:ln>
+          <a:effectLst/>
+        </p:spPr>
+        <p:txBody>
+          <a:bodyPr lIns="0" tIns="0" rIns="0" bIns="0" rtlCol="0" anchor="ctr"/>
+          <a:lstStyle/>
+          <a:p>
+            <a:pPr algn="ctr"/>
+            <a:r>
+              <a:rPr lang="en-US" sz="1000" b="1" kern="0" dirty="0">
+                <a:solidFill>
+                  <a:srgbClr val="FFFFFF"/>
+                </a:solidFill>
+                <a:latin typeface="+mj-lt"/>
+              </a:rPr>
+              <a:t>TRADE &amp; UPDATE PORTFOLIO</a:t>
+            </a:r>
+          </a:p>
+        </p:txBody>
+      </p:sp>
+      <p:sp>
+        <p:nvSpPr>
+          <p:cNvPr id="14" name="Rectangle 13">
+            <a:extLst>
+              <a:ext uri="{FF2B5EF4-FFF2-40B4-BE49-F238E27FC236}">
+                <a16:creationId xmlns:a16="http://schemas.microsoft.com/office/drawing/2014/main" id="{A1E7C0DB-2506-111C-B88D-AF2064919499}"/>
+              </a:ext>
+            </a:extLst>
+          </p:cNvPr>
+          <p:cNvSpPr/>
+          <p:nvPr/>
+        </p:nvSpPr>
+        <p:spPr>
+          <a:xfrm>
+            <a:off x="2002715" y="3285899"/>
+            <a:ext cx="6583680" cy="859536"/>
+          </a:xfrm>
+          <a:prstGeom prst="rect">
+            <a:avLst/>
+          </a:prstGeom>
+          <a:solidFill>
+            <a:srgbClr val="F2F2F2"/>
+          </a:solidFill>
+          <a:ln w="12700" cap="flat" cmpd="sng" algn="ctr">
+            <a:noFill/>
+            <a:prstDash val="solid"/>
+            <a:miter lim="800000"/>
+          </a:ln>
+          <a:effectLst/>
+        </p:spPr>
+        <p:txBody>
+          <a:bodyPr lIns="73152" tIns="91440" rIns="146304" bIns="91440" rtlCol="0" anchor="ctr"/>
+          <a:lstStyle/>
+          <a:p>
+            <a:pPr marL="285750" marR="0" lvl="1" indent="-171450" algn="l" defTabSz="685800" rtl="0" eaLnBrk="1" fontAlgn="auto" latinLnBrk="0" hangingPunct="1">
+              <a:lnSpc>
+                <a:spcPct val="100000"/>
+              </a:lnSpc>
+              <a:spcBef>
+                <a:spcPts val="300"/>
+              </a:spcBef>
+              <a:spcAft>
+                <a:spcPts val="300"/>
+              </a:spcAft>
+              <a:buClr>
+                <a:srgbClr val="204F8C"/>
+              </a:buClr>
+              <a:buSzPct val="175000"/>
+              <a:buFont typeface="Calibri Light" panose="020F0302020204030204" pitchFamily="34" charset="0"/>
+              <a:buChar char="›"/>
+              <a:tabLst/>
+              <a:defRPr/>
+            </a:pPr>
+            <a:r>
+              <a:rPr kumimoji="0" lang="en-US" sz="1050" b="0" i="0" u="none" strike="noStrike" kern="1200" cap="none" spc="0" normalizeH="0" baseline="0" noProof="0" dirty="0">
+                <a:ln>
+                  <a:noFill/>
+                </a:ln>
+                <a:effectLst/>
+                <a:uLnTx/>
+                <a:uFillTx/>
+                <a:latin typeface="+mj-lt"/>
+                <a:ea typeface="+mn-ea"/>
+                <a:cs typeface="+mn-cs"/>
+              </a:rPr>
+              <a:t>Today, BDCs are mostly sponsored by top tier private equity and alternative asset management firms including Blackstone, Ares and Owl Rock, among others</a:t>
+            </a:r>
+          </a:p>
+          <a:p>
+            <a:pPr marL="285750" marR="0" lvl="1" indent="-171450" algn="l" defTabSz="685800" rtl="0" eaLnBrk="1" fontAlgn="auto" latinLnBrk="0" hangingPunct="1">
+              <a:lnSpc>
+                <a:spcPct val="100000"/>
+              </a:lnSpc>
+              <a:spcBef>
+                <a:spcPts val="300"/>
+              </a:spcBef>
+              <a:spcAft>
+                <a:spcPts val="300"/>
+              </a:spcAft>
+              <a:buClr>
+                <a:srgbClr val="204F8C"/>
+              </a:buClr>
+              <a:buSzPct val="175000"/>
+              <a:buFont typeface="Calibri Light" panose="020F0302020204030204" pitchFamily="34" charset="0"/>
+              <a:buChar char="›"/>
+              <a:tabLst/>
+              <a:defRPr/>
+            </a:pPr>
+            <a:r>
+              <a:rPr kumimoji="0" lang="en-US" sz="1050" b="0" i="0" u="none" strike="noStrike" kern="1200" cap="none" spc="0" normalizeH="0" baseline="0" noProof="0" dirty="0">
+                <a:ln>
+                  <a:noFill/>
+                </a:ln>
+                <a:effectLst/>
+                <a:uLnTx/>
+                <a:uFillTx/>
+                <a:latin typeface="+mj-lt"/>
+                <a:ea typeface="+mn-ea"/>
+                <a:cs typeface="+mn-cs"/>
+              </a:rPr>
+              <a:t>BDC governance has evolved significantly, with current institutional sponsors adhering to what we believe to be best-in-class management and oversight </a:t>
+            </a:r>
+          </a:p>
+        </p:txBody>
+      </p:sp>
+      <p:sp>
+        <p:nvSpPr>
+          <p:cNvPr id="15" name="Rectangle 14">
+            <a:extLst>
+              <a:ext uri="{FF2B5EF4-FFF2-40B4-BE49-F238E27FC236}">
+                <a16:creationId xmlns:a16="http://schemas.microsoft.com/office/drawing/2014/main" id="{8F48008F-4976-9D5F-FC29-9E055CFD8B17}"/>
+              </a:ext>
+            </a:extLst>
+          </p:cNvPr>
+          <p:cNvSpPr/>
+          <p:nvPr/>
+        </p:nvSpPr>
+        <p:spPr>
+          <a:xfrm>
+            <a:off x="532500" y="4212250"/>
+            <a:ext cx="1389888" cy="1668512"/>
+          </a:xfrm>
+          <a:prstGeom prst="rect">
+            <a:avLst/>
+          </a:prstGeom>
+          <a:solidFill>
+            <a:schemeClr val="accent4">
+              <a:lumMod val="40000"/>
+              <a:lumOff val="60000"/>
+            </a:schemeClr>
+          </a:solidFill>
+          <a:ln w="12700" cap="flat" cmpd="sng" algn="ctr">
+            <a:noFill/>
+            <a:prstDash val="solid"/>
+            <a:miter lim="800000"/>
+          </a:ln>
+          <a:effectLst/>
+        </p:spPr>
+        <p:txBody>
+          <a:bodyPr lIns="0" tIns="0" rIns="0" bIns="0" rtlCol="0" anchor="ctr"/>
+          <a:lstStyle/>
+          <a:p>
+            <a:pPr algn="ctr"/>
+            <a:r>
+              <a:rPr lang="en-US" sz="1000" b="1" kern="0" dirty="0">
+                <a:latin typeface="+mj-lt"/>
+              </a:rPr>
+              <a:t>ASSUMPTIONS</a:t>
+            </a:r>
+          </a:p>
+        </p:txBody>
+      </p:sp>
+      <p:sp>
+        <p:nvSpPr>
+          <p:cNvPr id="16" name="Rectangle 15">
+            <a:extLst>
+              <a:ext uri="{FF2B5EF4-FFF2-40B4-BE49-F238E27FC236}">
+                <a16:creationId xmlns:a16="http://schemas.microsoft.com/office/drawing/2014/main" id="{01C9D3B0-1372-B9F3-8128-7856A5AE2E74}"/>
+              </a:ext>
+            </a:extLst>
+          </p:cNvPr>
+          <p:cNvSpPr/>
+          <p:nvPr/>
+        </p:nvSpPr>
+        <p:spPr>
+          <a:xfrm>
+            <a:off x="2002715" y="4212250"/>
+            <a:ext cx="6583680" cy="1668512"/>
+          </a:xfrm>
+          <a:prstGeom prst="rect">
+            <a:avLst/>
+          </a:prstGeom>
+          <a:solidFill>
+            <a:srgbClr val="F2F2F2"/>
+          </a:solidFill>
+          <a:ln w="12700" cap="flat" cmpd="sng" algn="ctr">
+            <a:noFill/>
+            <a:prstDash val="solid"/>
+            <a:miter lim="800000"/>
+          </a:ln>
+          <a:effectLst/>
+        </p:spPr>
+        <p:txBody>
+          <a:bodyPr lIns="73152" tIns="91440" rIns="146304" bIns="91440" rtlCol="0" anchor="ctr"/>
+          <a:lstStyle/>
+          <a:p>
+            <a:pPr marL="285750" marR="0" lvl="1" indent="-171450" algn="l" defTabSz="685800" rtl="0" eaLnBrk="1" fontAlgn="auto" latinLnBrk="0" hangingPunct="1">
+              <a:lnSpc>
+                <a:spcPct val="100000"/>
+              </a:lnSpc>
+              <a:spcBef>
+                <a:spcPts val="300"/>
+              </a:spcBef>
+              <a:spcAft>
+                <a:spcPts val="300"/>
+              </a:spcAft>
+              <a:buClr>
+                <a:srgbClr val="204F8C"/>
+              </a:buClr>
+              <a:buSzPct val="175000"/>
+              <a:buFont typeface="Calibri Light" panose="020F0302020204030204" pitchFamily="34" charset="0"/>
+              <a:buChar char="›"/>
+              <a:tabLst/>
+              <a:defRPr/>
+            </a:pPr>
+            <a:r>
+              <a:rPr lang="en-US" sz="1050" dirty="0">
+                <a:latin typeface="+mj-lt"/>
+              </a:rPr>
+              <a:t>Initial Capital is $1,000,000</a:t>
+            </a:r>
+          </a:p>
+          <a:p>
+            <a:pPr marL="285750" marR="0" lvl="1" indent="-171450" algn="l" defTabSz="685800" rtl="0" eaLnBrk="1" fontAlgn="auto" latinLnBrk="0" hangingPunct="1">
+              <a:lnSpc>
+                <a:spcPct val="100000"/>
+              </a:lnSpc>
+              <a:spcBef>
+                <a:spcPts val="300"/>
+              </a:spcBef>
+              <a:spcAft>
+                <a:spcPts val="300"/>
+              </a:spcAft>
+              <a:buClr>
+                <a:srgbClr val="204F8C"/>
+              </a:buClr>
+              <a:buSzPct val="175000"/>
+              <a:buFont typeface="Calibri Light" panose="020F0302020204030204" pitchFamily="34" charset="0"/>
+              <a:buChar char="›"/>
+              <a:tabLst/>
+              <a:defRPr/>
+            </a:pPr>
+            <a:r>
+              <a:rPr kumimoji="0" lang="en-US" sz="1050" b="0" i="0" u="none" strike="noStrike" kern="1200" cap="none" spc="0" normalizeH="0" baseline="0" noProof="0" dirty="0">
+                <a:ln>
+                  <a:noFill/>
+                </a:ln>
+                <a:effectLst/>
+                <a:uLnTx/>
+                <a:uFillTx/>
+                <a:latin typeface="+mj-lt"/>
+                <a:ea typeface="+mn-ea"/>
+                <a:cs typeface="+mn-cs"/>
+              </a:rPr>
+              <a:t>Trade Costs are </a:t>
+            </a:r>
+            <a:r>
+              <a:rPr lang="en-US" sz="1050" dirty="0">
+                <a:latin typeface="+mj-lt"/>
+              </a:rPr>
+              <a:t>10bps</a:t>
+            </a:r>
+          </a:p>
+          <a:p>
+            <a:pPr marL="285750" marR="0" lvl="1" indent="-171450" algn="l" defTabSz="685800" rtl="0" eaLnBrk="1" fontAlgn="auto" latinLnBrk="0" hangingPunct="1">
+              <a:lnSpc>
+                <a:spcPct val="100000"/>
+              </a:lnSpc>
+              <a:spcBef>
+                <a:spcPts val="300"/>
+              </a:spcBef>
+              <a:spcAft>
+                <a:spcPts val="300"/>
+              </a:spcAft>
+              <a:buClr>
+                <a:srgbClr val="204F8C"/>
+              </a:buClr>
+              <a:buSzPct val="175000"/>
+              <a:buFont typeface="Calibri Light" panose="020F0302020204030204" pitchFamily="34" charset="0"/>
+              <a:buChar char="›"/>
+              <a:tabLst/>
+              <a:defRPr/>
+            </a:pPr>
+            <a:r>
+              <a:rPr lang="en-US" sz="1050" dirty="0" err="1">
+                <a:latin typeface="+mj-lt"/>
+              </a:rPr>
+              <a:t>Backtest</a:t>
+            </a:r>
+            <a:r>
+              <a:rPr lang="en-US" sz="1050" dirty="0">
+                <a:latin typeface="+mj-lt"/>
+              </a:rPr>
+              <a:t> is run from Jan 5, </a:t>
+            </a:r>
+            <a:r>
+              <a:rPr lang="en-US" sz="1050">
+                <a:latin typeface="+mj-lt"/>
+              </a:rPr>
+              <a:t>2018 through Feb 4, 2023</a:t>
+            </a:r>
+            <a:endParaRPr lang="en-US" sz="1050" dirty="0">
+              <a:latin typeface="+mj-lt"/>
+            </a:endParaRPr>
+          </a:p>
+          <a:p>
+            <a:pPr marL="285750" marR="0" lvl="1" indent="-171450" algn="l" defTabSz="685800" rtl="0" eaLnBrk="1" fontAlgn="auto" latinLnBrk="0" hangingPunct="1">
+              <a:lnSpc>
+                <a:spcPct val="100000"/>
+              </a:lnSpc>
+              <a:spcBef>
+                <a:spcPts val="300"/>
+              </a:spcBef>
+              <a:spcAft>
+                <a:spcPts val="300"/>
+              </a:spcAft>
+              <a:buClr>
+                <a:srgbClr val="204F8C"/>
+              </a:buClr>
+              <a:buSzPct val="175000"/>
+              <a:buFont typeface="Calibri Light" panose="020F0302020204030204" pitchFamily="34" charset="0"/>
+              <a:buChar char="›"/>
+              <a:tabLst/>
+              <a:defRPr/>
+            </a:pPr>
+            <a:r>
+              <a:rPr kumimoji="0" lang="en-US" sz="1050" b="0" i="0" u="none" strike="noStrike" kern="1200" cap="none" spc="0" normalizeH="0" baseline="0" noProof="0" dirty="0" err="1">
+                <a:ln>
+                  <a:noFill/>
+                </a:ln>
+                <a:effectLst/>
+                <a:uLnTx/>
+                <a:uFillTx/>
+                <a:latin typeface="+mj-lt"/>
+                <a:ea typeface="+mn-ea"/>
+                <a:cs typeface="+mn-cs"/>
+              </a:rPr>
+              <a:t>Opt</a:t>
+            </a:r>
+            <a:r>
+              <a:rPr lang="en-US" sz="1050" dirty="0">
+                <a:latin typeface="+mj-lt"/>
+              </a:rPr>
+              <a:t>ion Trades as done at Best Mid Price from WRDS. An option collar is likely to be priced more competitively than the sum of both legs due to easier delta hedging.</a:t>
+            </a:r>
+          </a:p>
+          <a:p>
+            <a:pPr marL="285750" marR="0" lvl="1" indent="-171450" algn="l" defTabSz="685800" rtl="0" eaLnBrk="1" fontAlgn="auto" latinLnBrk="0" hangingPunct="1">
+              <a:lnSpc>
+                <a:spcPct val="100000"/>
+              </a:lnSpc>
+              <a:spcBef>
+                <a:spcPts val="300"/>
+              </a:spcBef>
+              <a:spcAft>
+                <a:spcPts val="300"/>
+              </a:spcAft>
+              <a:buClr>
+                <a:srgbClr val="204F8C"/>
+              </a:buClr>
+              <a:buSzPct val="175000"/>
+              <a:buFont typeface="Calibri Light" panose="020F0302020204030204" pitchFamily="34" charset="0"/>
+              <a:buChar char="›"/>
+              <a:tabLst/>
+              <a:defRPr/>
+            </a:pPr>
+            <a:r>
+              <a:rPr kumimoji="0" lang="en-US" sz="1050" b="0" i="0" u="none" strike="noStrike" kern="1200" cap="none" spc="0" normalizeH="0" baseline="0" noProof="0" dirty="0">
+                <a:ln>
+                  <a:noFill/>
+                </a:ln>
+                <a:effectLst/>
+                <a:uLnTx/>
+                <a:uFillTx/>
+                <a:latin typeface="+mj-lt"/>
+                <a:ea typeface="+mn-ea"/>
+                <a:cs typeface="+mn-cs"/>
+              </a:rPr>
+              <a:t>BIZD Trades are done at closing price</a:t>
+            </a:r>
+          </a:p>
+        </p:txBody>
+      </p:sp>
+    </p:spTree>
+    <p:extLst>
+      <p:ext uri="{BB962C8B-B14F-4D97-AF65-F5344CB8AC3E}">
+        <p14:creationId xmlns:p14="http://schemas.microsoft.com/office/powerpoint/2010/main" val="396133445"/>
+      </p:ext>
+    </p:extLst>
+  </p:cSld>
+  <p:clrMapOvr>
+    <a:masterClrMapping/>
+  </p:clrMapOvr>
+</p:sld>
+</file>
+
+<file path=ppt/slides/slide16.xml><?xml version="1.0" encoding="utf-8"?>
+<p:sld xmlns:a="http://schemas.openxmlformats.org/drawingml/2006/main" xmlns:r="http://schemas.openxmlformats.org/officeDocument/2006/relationships" xmlns:p="http://schemas.openxmlformats.org/presentationml/2006/main">
+  <p:cSld>
+    <p:spTree>
+      <p:nvGrpSpPr>
         <p:cNvPr id="1" name=""/>
         <p:cNvGrpSpPr/>
         <p:nvPr/>
@@ -10557,8 +11509,8 @@
           <a:lstStyle/>
           <a:p>
             <a:r>
-              <a:rPr lang="en-US"/>
-              <a:t>Appendix</a:t>
+              <a:rPr lang="en-US" dirty="0"/>
+              <a:t>Thank you</a:t>
             </a:r>
           </a:p>
         </p:txBody>
@@ -14473,6 +15425,15 @@
 </file>
 
 <file path=customXml/item1.xml><?xml version="1.0" encoding="utf-8"?>
+<?mso-contentType ?>
+<FormTemplates xmlns="http://schemas.microsoft.com/sharepoint/v3/contenttype/forms">
+  <Display>DocumentLibraryForm</Display>
+  <Edit>DocumentLibraryForm</Edit>
+  <New>DocumentLibraryForm</New>
+</FormTemplates>
+</file>
+
+<file path=customXml/item2.xml><?xml version="1.0" encoding="utf-8"?>
 <ct:contentTypeSchema xmlns:ct="http://schemas.microsoft.com/office/2006/metadata/contentType" xmlns:ma="http://schemas.microsoft.com/office/2006/metadata/properties/metaAttributes" ct:_="" ma:_="" ma:contentTypeName="Document" ma:contentTypeID="0x010100F02483CBF64CE247B8547AD67C413CD7" ma:contentTypeVersion="18" ma:contentTypeDescription="Create a new document." ma:contentTypeScope="" ma:versionID="a776f8acb78e6be0825f2f493c30754f">
   <xsd:schema xmlns:xsd="http://www.w3.org/2001/XMLSchema" xmlns:xs="http://www.w3.org/2001/XMLSchema" xmlns:p="http://schemas.microsoft.com/office/2006/metadata/properties" xmlns:ns2="b8fc9753-64c2-4518-8170-d36e36c4403c" xmlns:ns3="b2a53a68-a488-486e-b1b9-f76a6e8ff30c" targetNamespace="http://schemas.microsoft.com/office/2006/metadata/properties" ma:root="true" ma:fieldsID="7e8bbad4dbfb9c36c0f048407e36d7c8" ns2:_="" ns3:_="">
     <xsd:import namespace="b8fc9753-64c2-4518-8170-d36e36c4403c"/>
@@ -14727,15 +15688,6 @@
 </ct:contentTypeSchema>
 </file>
 
-<file path=customXml/item2.xml><?xml version="1.0" encoding="utf-8"?>
-<?mso-contentType ?>
-<FormTemplates xmlns="http://schemas.microsoft.com/sharepoint/v3/contenttype/forms">
-  <Display>DocumentLibraryForm</Display>
-  <Edit>DocumentLibraryForm</Edit>
-  <New>DocumentLibraryForm</New>
-</FormTemplates>
-</file>
-
 <file path=customXml/item3.xml><?xml version="1.0" encoding="utf-8"?>
 <p:properties xmlns:p="http://schemas.microsoft.com/office/2006/metadata/properties" xmlns:xsi="http://www.w3.org/2001/XMLSchema-instance" xmlns:pc="http://schemas.microsoft.com/office/infopath/2007/PartnerControls">
   <documentManagement>
@@ -14748,6 +15700,14 @@
 </file>
 
 <file path=customXml/itemProps1.xml><?xml version="1.0" encoding="utf-8"?>
+<ds:datastoreItem xmlns:ds="http://schemas.openxmlformats.org/officeDocument/2006/customXml" ds:itemID="{4922AC64-8FBA-4619-8E19-2C26ECB71DD7}">
+  <ds:schemaRefs>
+    <ds:schemaRef ds:uri="http://schemas.microsoft.com/sharepoint/v3/contenttype/forms"/>
+  </ds:schemaRefs>
+</ds:datastoreItem>
+</file>
+
+<file path=customXml/itemProps2.xml><?xml version="1.0" encoding="utf-8"?>
 <ds:datastoreItem xmlns:ds="http://schemas.openxmlformats.org/officeDocument/2006/customXml" ds:itemID="{AC4C336B-1492-4E8E-B92E-977CA9713F36}">
   <ds:schemaRefs>
     <ds:schemaRef ds:uri="http://schemas.microsoft.com/office/2006/metadata/contentType"/>
@@ -14762,14 +15722,6 @@
     <ds:schemaRef ds:uri="http://purl.org/dc/elements/1.1/"/>
     <ds:schemaRef ds:uri="http://purl.org/dc/terms/"/>
     <ds:schemaRef ds:uri="http://schemas.microsoft.com/internal/obd"/>
-  </ds:schemaRefs>
-</ds:datastoreItem>
-</file>
-
-<file path=customXml/itemProps2.xml><?xml version="1.0" encoding="utf-8"?>
-<ds:datastoreItem xmlns:ds="http://schemas.openxmlformats.org/officeDocument/2006/customXml" ds:itemID="{4922AC64-8FBA-4619-8E19-2C26ECB71DD7}">
-  <ds:schemaRefs>
-    <ds:schemaRef ds:uri="http://schemas.microsoft.com/sharepoint/v3/contenttype/forms"/>
   </ds:schemaRefs>
 </ds:datastoreItem>
 </file>
